--- a/zkdoc/styleguide/components/menupopup-grace.pptx
+++ b/zkdoc/styleguide/components/menupopup-grace.pptx
@@ -6,6 +6,7 @@
   </p:sldMasterIdLst>
   <p:sldIdLst>
     <p:sldId id="257" r:id="rId2"/>
+    <p:sldId id="258" r:id="rId3"/>
   </p:sldIdLst>
   <p:sldSz cx="9144000" cy="6858000" type="screen4x3"/>
   <p:notesSz cx="6858000" cy="9144000"/>
@@ -289,7 +290,7 @@
             <a:fld id="{1D8BD707-D9CF-40AE-B4C6-C98DA3205C09}" type="datetimeFigureOut">
               <a:rPr lang="en-US" smtClean="0"/>
               <a:pPr/>
-              <a:t>3/7/2008</a:t>
+              <a:t>5/14/2008</a:t>
             </a:fld>
             <a:endParaRPr lang="en-US"/>
           </a:p>
@@ -456,7 +457,7 @@
             <a:fld id="{1D8BD707-D9CF-40AE-B4C6-C98DA3205C09}" type="datetimeFigureOut">
               <a:rPr lang="en-US" smtClean="0"/>
               <a:pPr/>
-              <a:t>3/7/2008</a:t>
+              <a:t>5/14/2008</a:t>
             </a:fld>
             <a:endParaRPr lang="en-US"/>
           </a:p>
@@ -633,7 +634,7 @@
             <a:fld id="{1D8BD707-D9CF-40AE-B4C6-C98DA3205C09}" type="datetimeFigureOut">
               <a:rPr lang="en-US" smtClean="0"/>
               <a:pPr/>
-              <a:t>3/7/2008</a:t>
+              <a:t>5/14/2008</a:t>
             </a:fld>
             <a:endParaRPr lang="en-US"/>
           </a:p>
@@ -800,7 +801,7 @@
             <a:fld id="{1D8BD707-D9CF-40AE-B4C6-C98DA3205C09}" type="datetimeFigureOut">
               <a:rPr lang="en-US" smtClean="0"/>
               <a:pPr/>
-              <a:t>3/7/2008</a:t>
+              <a:t>5/14/2008</a:t>
             </a:fld>
             <a:endParaRPr lang="en-US"/>
           </a:p>
@@ -1043,7 +1044,7 @@
             <a:fld id="{1D8BD707-D9CF-40AE-B4C6-C98DA3205C09}" type="datetimeFigureOut">
               <a:rPr lang="en-US" smtClean="0"/>
               <a:pPr/>
-              <a:t>3/7/2008</a:t>
+              <a:t>5/14/2008</a:t>
             </a:fld>
             <a:endParaRPr lang="en-US"/>
           </a:p>
@@ -1328,7 +1329,7 @@
             <a:fld id="{1D8BD707-D9CF-40AE-B4C6-C98DA3205C09}" type="datetimeFigureOut">
               <a:rPr lang="en-US" smtClean="0"/>
               <a:pPr/>
-              <a:t>3/7/2008</a:t>
+              <a:t>5/14/2008</a:t>
             </a:fld>
             <a:endParaRPr lang="en-US"/>
           </a:p>
@@ -1747,7 +1748,7 @@
             <a:fld id="{1D8BD707-D9CF-40AE-B4C6-C98DA3205C09}" type="datetimeFigureOut">
               <a:rPr lang="en-US" smtClean="0"/>
               <a:pPr/>
-              <a:t>3/7/2008</a:t>
+              <a:t>5/14/2008</a:t>
             </a:fld>
             <a:endParaRPr lang="en-US"/>
           </a:p>
@@ -1862,7 +1863,7 @@
             <a:fld id="{1D8BD707-D9CF-40AE-B4C6-C98DA3205C09}" type="datetimeFigureOut">
               <a:rPr lang="en-US" smtClean="0"/>
               <a:pPr/>
-              <a:t>3/7/2008</a:t>
+              <a:t>5/14/2008</a:t>
             </a:fld>
             <a:endParaRPr lang="en-US"/>
           </a:p>
@@ -1954,7 +1955,7 @@
             <a:fld id="{1D8BD707-D9CF-40AE-B4C6-C98DA3205C09}" type="datetimeFigureOut">
               <a:rPr lang="en-US" smtClean="0"/>
               <a:pPr/>
-              <a:t>3/7/2008</a:t>
+              <a:t>5/14/2008</a:t>
             </a:fld>
             <a:endParaRPr lang="en-US"/>
           </a:p>
@@ -2228,7 +2229,7 @@
             <a:fld id="{1D8BD707-D9CF-40AE-B4C6-C98DA3205C09}" type="datetimeFigureOut">
               <a:rPr lang="en-US" smtClean="0"/>
               <a:pPr/>
-              <a:t>3/7/2008</a:t>
+              <a:t>5/14/2008</a:t>
             </a:fld>
             <a:endParaRPr lang="en-US"/>
           </a:p>
@@ -2478,7 +2479,7 @@
             <a:fld id="{1D8BD707-D9CF-40AE-B4C6-C98DA3205C09}" type="datetimeFigureOut">
               <a:rPr lang="en-US" smtClean="0"/>
               <a:pPr/>
-              <a:t>3/7/2008</a:t>
+              <a:t>5/14/2008</a:t>
             </a:fld>
             <a:endParaRPr lang="en-US"/>
           </a:p>
@@ -2688,7 +2689,7 @@
             <a:fld id="{1D8BD707-D9CF-40AE-B4C6-C98DA3205C09}" type="datetimeFigureOut">
               <a:rPr lang="en-US" smtClean="0"/>
               <a:pPr/>
-              <a:t>3/7/2008</a:t>
+              <a:t>5/14/2008</a:t>
             </a:fld>
             <a:endParaRPr lang="en-US"/>
           </a:p>
@@ -3834,6 +3835,154 @@
 </p:sld>
 </file>
 
+<file path=ppt/slides/slide2.xml><?xml version="1.0" encoding="utf-8"?>
+<p:sld xmlns:a="http://schemas.openxmlformats.org/drawingml/2006/main" xmlns:r="http://schemas.openxmlformats.org/officeDocument/2006/relationships" xmlns:p="http://schemas.openxmlformats.org/presentationml/2006/main">
+  <p:cSld>
+    <p:spTree>
+      <p:nvGrpSpPr>
+        <p:cNvPr id="1" name=""/>
+        <p:cNvGrpSpPr/>
+        <p:nvPr/>
+      </p:nvGrpSpPr>
+      <p:grpSpPr>
+        <a:xfrm>
+          <a:off x="0" y="0"/>
+          <a:ext cx="0" cy="0"/>
+          <a:chOff x="0" y="0"/>
+          <a:chExt cx="0" cy="0"/>
+        </a:xfrm>
+      </p:grpSpPr>
+      <p:pic>
+        <p:nvPicPr>
+          <p:cNvPr id="2" name="Picture 1" descr="popup.png"/>
+          <p:cNvPicPr>
+            <a:picLocks noChangeAspect="1"/>
+          </p:cNvPicPr>
+          <p:nvPr/>
+        </p:nvPicPr>
+        <p:blipFill>
+          <a:blip r:embed="rId2"/>
+          <a:stretch>
+            <a:fillRect/>
+          </a:stretch>
+        </p:blipFill>
+        <p:spPr>
+          <a:xfrm>
+            <a:off x="3114675" y="2990850"/>
+            <a:ext cx="2914650" cy="876300"/>
+          </a:xfrm>
+          <a:prstGeom prst="rect">
+            <a:avLst/>
+          </a:prstGeom>
+        </p:spPr>
+      </p:pic>
+      <p:sp>
+        <p:nvSpPr>
+          <p:cNvPr id="3" name="Rectangle 2"/>
+          <p:cNvSpPr/>
+          <p:nvPr/>
+        </p:nvSpPr>
+        <p:spPr>
+          <a:xfrm>
+            <a:off x="3048000" y="2915057"/>
+            <a:ext cx="3047999" cy="990599"/>
+          </a:xfrm>
+          <a:prstGeom prst="rect">
+            <a:avLst/>
+          </a:prstGeom>
+          <a:noFill/>
+          <a:ln>
+            <a:solidFill>
+              <a:srgbClr val="FF0000"/>
+            </a:solidFill>
+          </a:ln>
+        </p:spPr>
+        <p:style>
+          <a:lnRef idx="2">
+            <a:schemeClr val="accent2"/>
+          </a:lnRef>
+          <a:fillRef idx="1">
+            <a:schemeClr val="lt1"/>
+          </a:fillRef>
+          <a:effectRef idx="0">
+            <a:schemeClr val="accent2"/>
+          </a:effectRef>
+          <a:fontRef idx="minor">
+            <a:schemeClr val="dk1"/>
+          </a:fontRef>
+        </p:style>
+        <p:txBody>
+          <a:bodyPr rtlCol="0" anchor="ctr"/>
+          <a:lstStyle/>
+          <a:p>
+            <a:pPr algn="ctr"/>
+            <a:endParaRPr lang="zh-TW" altLang="en-US"/>
+          </a:p>
+        </p:txBody>
+      </p:sp>
+      <p:sp>
+        <p:nvSpPr>
+          <p:cNvPr id="4" name="Line Callout 1 3"/>
+          <p:cNvSpPr/>
+          <p:nvPr/>
+        </p:nvSpPr>
+        <p:spPr>
+          <a:xfrm>
+            <a:off x="4648200" y="2362200"/>
+            <a:ext cx="1362076" cy="381000"/>
+          </a:xfrm>
+          <a:prstGeom prst="borderCallout1">
+            <a:avLst>
+              <a:gd name="adj1" fmla="val 18750"/>
+              <a:gd name="adj2" fmla="val -8333"/>
+              <a:gd name="adj3" fmla="val 138032"/>
+              <a:gd name="adj4" fmla="val -37166"/>
+            </a:avLst>
+          </a:prstGeom>
+        </p:spPr>
+        <p:style>
+          <a:lnRef idx="2">
+            <a:schemeClr val="accent1"/>
+          </a:lnRef>
+          <a:fillRef idx="1">
+            <a:schemeClr val="lt1"/>
+          </a:fillRef>
+          <a:effectRef idx="0">
+            <a:schemeClr val="accent1"/>
+          </a:effectRef>
+          <a:fontRef idx="minor">
+            <a:schemeClr val="dk1"/>
+          </a:fontRef>
+        </p:style>
+        <p:txBody>
+          <a:bodyPr rtlCol="0" anchor="ctr"/>
+          <a:lstStyle/>
+          <a:p>
+            <a:pPr algn="ctr"/>
+            <a:r>
+              <a:rPr lang="en-US" altLang="zh-TW" dirty="0" smtClean="0">
+                <a:solidFill>
+                  <a:srgbClr val="0070C0"/>
+                </a:solidFill>
+              </a:rPr>
+              <a:t>div.popup</a:t>
+            </a:r>
+            <a:endParaRPr lang="zh-TW" altLang="en-US" dirty="0" smtClean="0">
+              <a:solidFill>
+                <a:srgbClr val="0070C0"/>
+              </a:solidFill>
+            </a:endParaRPr>
+          </a:p>
+        </p:txBody>
+      </p:sp>
+    </p:spTree>
+  </p:cSld>
+  <p:clrMapOvr>
+    <a:masterClrMapping/>
+  </p:clrMapOvr>
+</p:sld>
+</file>
+
 <file path=ppt/theme/theme1.xml><?xml version="1.0" encoding="utf-8"?>
 <a:theme xmlns:a="http://schemas.openxmlformats.org/drawingml/2006/main" name="Office Theme">
   <a:themeElements>

--- a/zkdoc/styleguide/components/menupopup-grace.pptx
+++ b/zkdoc/styleguide/components/menupopup-grace.pptx
@@ -7,6 +7,7 @@
   <p:sldIdLst>
     <p:sldId id="257" r:id="rId2"/>
     <p:sldId id="258" r:id="rId3"/>
+    <p:sldId id="259" r:id="rId4"/>
   </p:sldIdLst>
   <p:sldSz cx="9144000" cy="6858000" type="screen4x3"/>
   <p:notesSz cx="6858000" cy="9144000"/>
@@ -290,7 +291,7 @@
             <a:fld id="{1D8BD707-D9CF-40AE-B4C6-C98DA3205C09}" type="datetimeFigureOut">
               <a:rPr lang="en-US" smtClean="0"/>
               <a:pPr/>
-              <a:t>5/14/2008</a:t>
+              <a:t>5/21/2008</a:t>
             </a:fld>
             <a:endParaRPr lang="en-US"/>
           </a:p>
@@ -457,7 +458,7 @@
             <a:fld id="{1D8BD707-D9CF-40AE-B4C6-C98DA3205C09}" type="datetimeFigureOut">
               <a:rPr lang="en-US" smtClean="0"/>
               <a:pPr/>
-              <a:t>5/14/2008</a:t>
+              <a:t>5/21/2008</a:t>
             </a:fld>
             <a:endParaRPr lang="en-US"/>
           </a:p>
@@ -634,7 +635,7 @@
             <a:fld id="{1D8BD707-D9CF-40AE-B4C6-C98DA3205C09}" type="datetimeFigureOut">
               <a:rPr lang="en-US" smtClean="0"/>
               <a:pPr/>
-              <a:t>5/14/2008</a:t>
+              <a:t>5/21/2008</a:t>
             </a:fld>
             <a:endParaRPr lang="en-US"/>
           </a:p>
@@ -801,7 +802,7 @@
             <a:fld id="{1D8BD707-D9CF-40AE-B4C6-C98DA3205C09}" type="datetimeFigureOut">
               <a:rPr lang="en-US" smtClean="0"/>
               <a:pPr/>
-              <a:t>5/14/2008</a:t>
+              <a:t>5/21/2008</a:t>
             </a:fld>
             <a:endParaRPr lang="en-US"/>
           </a:p>
@@ -1044,7 +1045,7 @@
             <a:fld id="{1D8BD707-D9CF-40AE-B4C6-C98DA3205C09}" type="datetimeFigureOut">
               <a:rPr lang="en-US" smtClean="0"/>
               <a:pPr/>
-              <a:t>5/14/2008</a:t>
+              <a:t>5/21/2008</a:t>
             </a:fld>
             <a:endParaRPr lang="en-US"/>
           </a:p>
@@ -1329,7 +1330,7 @@
             <a:fld id="{1D8BD707-D9CF-40AE-B4C6-C98DA3205C09}" type="datetimeFigureOut">
               <a:rPr lang="en-US" smtClean="0"/>
               <a:pPr/>
-              <a:t>5/14/2008</a:t>
+              <a:t>5/21/2008</a:t>
             </a:fld>
             <a:endParaRPr lang="en-US"/>
           </a:p>
@@ -1748,7 +1749,7 @@
             <a:fld id="{1D8BD707-D9CF-40AE-B4C6-C98DA3205C09}" type="datetimeFigureOut">
               <a:rPr lang="en-US" smtClean="0"/>
               <a:pPr/>
-              <a:t>5/14/2008</a:t>
+              <a:t>5/21/2008</a:t>
             </a:fld>
             <a:endParaRPr lang="en-US"/>
           </a:p>
@@ -1863,7 +1864,7 @@
             <a:fld id="{1D8BD707-D9CF-40AE-B4C6-C98DA3205C09}" type="datetimeFigureOut">
               <a:rPr lang="en-US" smtClean="0"/>
               <a:pPr/>
-              <a:t>5/14/2008</a:t>
+              <a:t>5/21/2008</a:t>
             </a:fld>
             <a:endParaRPr lang="en-US"/>
           </a:p>
@@ -1955,7 +1956,7 @@
             <a:fld id="{1D8BD707-D9CF-40AE-B4C6-C98DA3205C09}" type="datetimeFigureOut">
               <a:rPr lang="en-US" smtClean="0"/>
               <a:pPr/>
-              <a:t>5/14/2008</a:t>
+              <a:t>5/21/2008</a:t>
             </a:fld>
             <a:endParaRPr lang="en-US"/>
           </a:p>
@@ -2229,7 +2230,7 @@
             <a:fld id="{1D8BD707-D9CF-40AE-B4C6-C98DA3205C09}" type="datetimeFigureOut">
               <a:rPr lang="en-US" smtClean="0"/>
               <a:pPr/>
-              <a:t>5/14/2008</a:t>
+              <a:t>5/21/2008</a:t>
             </a:fld>
             <a:endParaRPr lang="en-US"/>
           </a:p>
@@ -2479,7 +2480,7 @@
             <a:fld id="{1D8BD707-D9CF-40AE-B4C6-C98DA3205C09}" type="datetimeFigureOut">
               <a:rPr lang="en-US" smtClean="0"/>
               <a:pPr/>
-              <a:t>5/14/2008</a:t>
+              <a:t>5/21/2008</a:t>
             </a:fld>
             <a:endParaRPr lang="en-US"/>
           </a:p>
@@ -2689,7 +2690,7 @@
             <a:fld id="{1D8BD707-D9CF-40AE-B4C6-C98DA3205C09}" type="datetimeFigureOut">
               <a:rPr lang="en-US" smtClean="0"/>
               <a:pPr/>
-              <a:t>5/14/2008</a:t>
+              <a:t>5/21/2008</a:t>
             </a:fld>
             <a:endParaRPr lang="en-US"/>
           </a:p>
@@ -3983,6 +3984,255 @@
 </p:sld>
 </file>
 
+<file path=ppt/slides/slide3.xml><?xml version="1.0" encoding="utf-8"?>
+<p:sld xmlns:a="http://schemas.openxmlformats.org/drawingml/2006/main" xmlns:r="http://schemas.openxmlformats.org/officeDocument/2006/relationships" xmlns:p="http://schemas.openxmlformats.org/presentationml/2006/main">
+  <p:cSld>
+    <p:spTree>
+      <p:nvGrpSpPr>
+        <p:cNvPr id="1" name=""/>
+        <p:cNvGrpSpPr/>
+        <p:nvPr/>
+      </p:nvGrpSpPr>
+      <p:grpSpPr>
+        <a:xfrm>
+          <a:off x="0" y="0"/>
+          <a:ext cx="0" cy="0"/>
+          <a:chOff x="0" y="0"/>
+          <a:chExt cx="0" cy="0"/>
+        </a:xfrm>
+      </p:grpSpPr>
+      <p:pic>
+        <p:nvPicPr>
+          <p:cNvPr id="2" name="Picture 1" descr="progressmeter.png"/>
+          <p:cNvPicPr>
+            <a:picLocks noChangeAspect="1"/>
+          </p:cNvPicPr>
+          <p:nvPr/>
+        </p:nvPicPr>
+        <p:blipFill>
+          <a:blip r:embed="rId2"/>
+          <a:stretch>
+            <a:fillRect/>
+          </a:stretch>
+        </p:blipFill>
+        <p:spPr>
+          <a:xfrm>
+            <a:off x="4057650" y="3343275"/>
+            <a:ext cx="1028700" cy="171450"/>
+          </a:xfrm>
+          <a:prstGeom prst="rect">
+            <a:avLst/>
+          </a:prstGeom>
+        </p:spPr>
+      </p:pic>
+      <p:sp>
+        <p:nvSpPr>
+          <p:cNvPr id="3" name="Rectangle 2"/>
+          <p:cNvSpPr/>
+          <p:nvPr/>
+        </p:nvSpPr>
+        <p:spPr>
+          <a:xfrm>
+            <a:off x="3962400" y="3276600"/>
+            <a:ext cx="1219200" cy="304800"/>
+          </a:xfrm>
+          <a:prstGeom prst="rect">
+            <a:avLst/>
+          </a:prstGeom>
+          <a:noFill/>
+          <a:ln w="19050">
+            <a:solidFill>
+              <a:srgbClr val="FF0000"/>
+            </a:solidFill>
+          </a:ln>
+        </p:spPr>
+        <p:style>
+          <a:lnRef idx="2">
+            <a:schemeClr val="accent2"/>
+          </a:lnRef>
+          <a:fillRef idx="1">
+            <a:schemeClr val="lt1"/>
+          </a:fillRef>
+          <a:effectRef idx="0">
+            <a:schemeClr val="accent2"/>
+          </a:effectRef>
+          <a:fontRef idx="minor">
+            <a:schemeClr val="dk1"/>
+          </a:fontRef>
+        </p:style>
+        <p:txBody>
+          <a:bodyPr rtlCol="0" anchor="ctr"/>
+          <a:lstStyle/>
+          <a:p>
+            <a:pPr algn="ctr"/>
+            <a:endParaRPr lang="zh-TW" altLang="en-US"/>
+          </a:p>
+        </p:txBody>
+      </p:sp>
+      <p:sp>
+        <p:nvSpPr>
+          <p:cNvPr id="4" name="Rectangle 3"/>
+          <p:cNvSpPr/>
+          <p:nvPr/>
+        </p:nvSpPr>
+        <p:spPr>
+          <a:xfrm>
+            <a:off x="4067784" y="3352800"/>
+            <a:ext cx="228600" cy="152400"/>
+          </a:xfrm>
+          <a:prstGeom prst="rect">
+            <a:avLst/>
+          </a:prstGeom>
+          <a:noFill/>
+          <a:ln w="19050">
+            <a:solidFill>
+              <a:srgbClr val="FF0000"/>
+            </a:solidFill>
+          </a:ln>
+        </p:spPr>
+        <p:style>
+          <a:lnRef idx="2">
+            <a:schemeClr val="accent2"/>
+          </a:lnRef>
+          <a:fillRef idx="1">
+            <a:schemeClr val="lt1"/>
+          </a:fillRef>
+          <a:effectRef idx="0">
+            <a:schemeClr val="accent2"/>
+          </a:effectRef>
+          <a:fontRef idx="minor">
+            <a:schemeClr val="dk1"/>
+          </a:fontRef>
+        </p:style>
+        <p:txBody>
+          <a:bodyPr rtlCol="0" anchor="ctr"/>
+          <a:lstStyle/>
+          <a:p>
+            <a:pPr algn="ctr"/>
+            <a:endParaRPr lang="zh-TW" altLang="en-US"/>
+          </a:p>
+        </p:txBody>
+      </p:sp>
+      <p:sp>
+        <p:nvSpPr>
+          <p:cNvPr id="5" name="Line Callout 1 4"/>
+          <p:cNvSpPr/>
+          <p:nvPr/>
+        </p:nvSpPr>
+        <p:spPr>
+          <a:xfrm>
+            <a:off x="4876800" y="3886200"/>
+            <a:ext cx="1905000" cy="304800"/>
+          </a:xfrm>
+          <a:prstGeom prst="borderCallout1">
+            <a:avLst>
+              <a:gd name="adj1" fmla="val 18750"/>
+              <a:gd name="adj2" fmla="val -8333"/>
+              <a:gd name="adj3" fmla="val -103244"/>
+              <a:gd name="adj4" fmla="val -16948"/>
+            </a:avLst>
+          </a:prstGeom>
+          <a:ln w="19050"/>
+        </p:spPr>
+        <p:style>
+          <a:lnRef idx="2">
+            <a:schemeClr val="accent1"/>
+          </a:lnRef>
+          <a:fillRef idx="1">
+            <a:schemeClr val="lt1"/>
+          </a:fillRef>
+          <a:effectRef idx="0">
+            <a:schemeClr val="accent1"/>
+          </a:effectRef>
+          <a:fontRef idx="minor">
+            <a:schemeClr val="dk1"/>
+          </a:fontRef>
+        </p:style>
+        <p:txBody>
+          <a:bodyPr rtlCol="0" anchor="ctr"/>
+          <a:lstStyle/>
+          <a:p>
+            <a:pPr algn="ctr"/>
+            <a:r>
+              <a:rPr lang="en-US" altLang="zh-TW" dirty="0" smtClean="0">
+                <a:solidFill>
+                  <a:srgbClr val="0070C0"/>
+                </a:solidFill>
+              </a:rPr>
+              <a:t>div.progressmeter</a:t>
+            </a:r>
+            <a:endParaRPr lang="zh-TW" altLang="en-US" dirty="0" smtClean="0">
+              <a:solidFill>
+                <a:srgbClr val="0070C0"/>
+              </a:solidFill>
+            </a:endParaRPr>
+          </a:p>
+        </p:txBody>
+      </p:sp>
+      <p:sp>
+        <p:nvSpPr>
+          <p:cNvPr id="6" name="Line Callout 1 5"/>
+          <p:cNvSpPr/>
+          <p:nvPr/>
+        </p:nvSpPr>
+        <p:spPr>
+          <a:xfrm>
+            <a:off x="4724400" y="2514600"/>
+            <a:ext cx="2057400" cy="533400"/>
+          </a:xfrm>
+          <a:prstGeom prst="borderCallout1">
+            <a:avLst>
+              <a:gd name="adj1" fmla="val 18750"/>
+              <a:gd name="adj2" fmla="val -8333"/>
+              <a:gd name="adj3" fmla="val 160647"/>
+              <a:gd name="adj4" fmla="val -26030"/>
+            </a:avLst>
+          </a:prstGeom>
+          <a:ln w="19050"/>
+        </p:spPr>
+        <p:style>
+          <a:lnRef idx="2">
+            <a:schemeClr val="accent1"/>
+          </a:lnRef>
+          <a:fillRef idx="1">
+            <a:schemeClr val="lt1"/>
+          </a:fillRef>
+          <a:effectRef idx="0">
+            <a:schemeClr val="accent1"/>
+          </a:effectRef>
+          <a:fontRef idx="minor">
+            <a:schemeClr val="dk1"/>
+          </a:fontRef>
+        </p:style>
+        <p:txBody>
+          <a:bodyPr rtlCol="0" anchor="ctr"/>
+          <a:lstStyle/>
+          <a:p>
+            <a:pPr algn="ctr"/>
+            <a:r>
+              <a:rPr lang="en-US" altLang="zh-TW" dirty="0" smtClean="0">
+                <a:solidFill>
+                  <a:srgbClr val="0070C0"/>
+                </a:solidFill>
+              </a:rPr>
+              <a:t>span.progressmeter-img</a:t>
+            </a:r>
+            <a:endParaRPr lang="zh-TW" altLang="en-US" dirty="0" smtClean="0">
+              <a:solidFill>
+                <a:srgbClr val="0070C0"/>
+              </a:solidFill>
+            </a:endParaRPr>
+          </a:p>
+        </p:txBody>
+      </p:sp>
+    </p:spTree>
+  </p:cSld>
+  <p:clrMapOvr>
+    <a:masterClrMapping/>
+  </p:clrMapOvr>
+</p:sld>
+</file>
+
 <file path=ppt/theme/theme1.xml><?xml version="1.0" encoding="utf-8"?>
 <a:theme xmlns:a="http://schemas.openxmlformats.org/drawingml/2006/main" name="Office Theme">
   <a:themeElements>
